--- a/업무보고0101.pptx
+++ b/업무보고0101.pptx
@@ -17,7 +17,8 @@
     <p:sldId id="322" r:id="rId11"/>
     <p:sldId id="325" r:id="rId12"/>
     <p:sldId id="327" r:id="rId13"/>
-    <p:sldId id="315" r:id="rId14"/>
+    <p:sldId id="331" r:id="rId14"/>
+    <p:sldId id="315" r:id="rId15"/>
   </p:sldIdLst>
   <p:sldSz cx="9144000" cy="6858000" type="screen4x3"/>
   <p:notesSz cx="6858000" cy="9144000"/>
@@ -255,7 +256,7 @@
           <a:p>
             <a:fld id="{9F12D92A-1099-47F9-BA91-F3EF59B10499}" type="datetimeFigureOut">
               <a:rPr lang="ko-KR" altLang="en-US" smtClean="0"/>
-              <a:t>2021-01-01</a:t>
+              <a:t>2021-01-04</a:t>
             </a:fld>
             <a:endParaRPr lang="ko-KR" altLang="en-US"/>
           </a:p>
@@ -425,7 +426,7 @@
           <a:p>
             <a:fld id="{9F12D92A-1099-47F9-BA91-F3EF59B10499}" type="datetimeFigureOut">
               <a:rPr lang="ko-KR" altLang="en-US" smtClean="0"/>
-              <a:t>2021-01-01</a:t>
+              <a:t>2021-01-04</a:t>
             </a:fld>
             <a:endParaRPr lang="ko-KR" altLang="en-US"/>
           </a:p>
@@ -605,7 +606,7 @@
           <a:p>
             <a:fld id="{9F12D92A-1099-47F9-BA91-F3EF59B10499}" type="datetimeFigureOut">
               <a:rPr lang="ko-KR" altLang="en-US" smtClean="0"/>
-              <a:t>2021-01-01</a:t>
+              <a:t>2021-01-04</a:t>
             </a:fld>
             <a:endParaRPr lang="ko-KR" altLang="en-US"/>
           </a:p>
@@ -775,7 +776,7 @@
           <a:p>
             <a:fld id="{9F12D92A-1099-47F9-BA91-F3EF59B10499}" type="datetimeFigureOut">
               <a:rPr lang="ko-KR" altLang="en-US" smtClean="0"/>
-              <a:t>2021-01-01</a:t>
+              <a:t>2021-01-04</a:t>
             </a:fld>
             <a:endParaRPr lang="ko-KR" altLang="en-US"/>
           </a:p>
@@ -1019,7 +1020,7 @@
           <a:p>
             <a:fld id="{9F12D92A-1099-47F9-BA91-F3EF59B10499}" type="datetimeFigureOut">
               <a:rPr lang="ko-KR" altLang="en-US" smtClean="0"/>
-              <a:t>2021-01-01</a:t>
+              <a:t>2021-01-04</a:t>
             </a:fld>
             <a:endParaRPr lang="ko-KR" altLang="en-US"/>
           </a:p>
@@ -1251,7 +1252,7 @@
           <a:p>
             <a:fld id="{9F12D92A-1099-47F9-BA91-F3EF59B10499}" type="datetimeFigureOut">
               <a:rPr lang="ko-KR" altLang="en-US" smtClean="0"/>
-              <a:t>2021-01-01</a:t>
+              <a:t>2021-01-04</a:t>
             </a:fld>
             <a:endParaRPr lang="ko-KR" altLang="en-US"/>
           </a:p>
@@ -1618,7 +1619,7 @@
           <a:p>
             <a:fld id="{9F12D92A-1099-47F9-BA91-F3EF59B10499}" type="datetimeFigureOut">
               <a:rPr lang="ko-KR" altLang="en-US" smtClean="0"/>
-              <a:t>2021-01-01</a:t>
+              <a:t>2021-01-04</a:t>
             </a:fld>
             <a:endParaRPr lang="ko-KR" altLang="en-US"/>
           </a:p>
@@ -1736,7 +1737,7 @@
           <a:p>
             <a:fld id="{9F12D92A-1099-47F9-BA91-F3EF59B10499}" type="datetimeFigureOut">
               <a:rPr lang="ko-KR" altLang="en-US" smtClean="0"/>
-              <a:t>2021-01-01</a:t>
+              <a:t>2021-01-04</a:t>
             </a:fld>
             <a:endParaRPr lang="ko-KR" altLang="en-US"/>
           </a:p>
@@ -1831,7 +1832,7 @@
           <a:p>
             <a:fld id="{9F12D92A-1099-47F9-BA91-F3EF59B10499}" type="datetimeFigureOut">
               <a:rPr lang="ko-KR" altLang="en-US" smtClean="0"/>
-              <a:t>2021-01-01</a:t>
+              <a:t>2021-01-04</a:t>
             </a:fld>
             <a:endParaRPr lang="ko-KR" altLang="en-US"/>
           </a:p>
@@ -2108,7 +2109,7 @@
           <a:p>
             <a:fld id="{9F12D92A-1099-47F9-BA91-F3EF59B10499}" type="datetimeFigureOut">
               <a:rPr lang="ko-KR" altLang="en-US" smtClean="0"/>
-              <a:t>2021-01-01</a:t>
+              <a:t>2021-01-04</a:t>
             </a:fld>
             <a:endParaRPr lang="ko-KR" altLang="en-US"/>
           </a:p>
@@ -2365,7 +2366,7 @@
           <a:p>
             <a:fld id="{9F12D92A-1099-47F9-BA91-F3EF59B10499}" type="datetimeFigureOut">
               <a:rPr lang="ko-KR" altLang="en-US" smtClean="0"/>
-              <a:t>2021-01-01</a:t>
+              <a:t>2021-01-04</a:t>
             </a:fld>
             <a:endParaRPr lang="ko-KR" altLang="en-US"/>
           </a:p>
@@ -2578,7 +2579,7 @@
           <a:p>
             <a:fld id="{9F12D92A-1099-47F9-BA91-F3EF59B10499}" type="datetimeFigureOut">
               <a:rPr lang="ko-KR" altLang="en-US" smtClean="0"/>
-              <a:t>2021-01-01</a:t>
+              <a:t>2021-01-04</a:t>
             </a:fld>
             <a:endParaRPr lang="ko-KR" altLang="en-US"/>
           </a:p>
@@ -4265,21 +4266,7 @@
                 <a:latin typeface="나눔바른고딕" panose="020B0603020101020101" pitchFamily="50" charset="-127"/>
                 <a:ea typeface="나눔바른고딕" panose="020B0603020101020101" pitchFamily="50" charset="-127"/>
               </a:rPr>
-              <a:t>일부로 이벤트 진행 </a:t>
-            </a:r>
-            <a:r>
-              <a:rPr lang="ko-KR" altLang="en-US" sz="1200" dirty="0" smtClean="0">
-                <a:ln>
-                  <a:solidFill>
-                    <a:schemeClr val="tx1">
-                      <a:alpha val="0"/>
-                    </a:schemeClr>
-                  </a:solidFill>
-                </a:ln>
-                <a:latin typeface="나눔바른고딕" panose="020B0603020101020101" pitchFamily="50" charset="-127"/>
-                <a:ea typeface="나눔바른고딕" panose="020B0603020101020101" pitchFamily="50" charset="-127"/>
-              </a:rPr>
-              <a:t>중 </a:t>
+              <a:t>일부로 이벤트 진행 중 </a:t>
             </a:r>
             <a:endParaRPr lang="en-US" altLang="ko-KR" sz="1200" dirty="0">
               <a:ln>
@@ -4406,7 +4393,21 @@
                 <a:latin typeface="나눔바른고딕" panose="020B0603020101020101" pitchFamily="50" charset="-127"/>
                 <a:ea typeface="나눔바른고딕" panose="020B0603020101020101" pitchFamily="50" charset="-127"/>
               </a:rPr>
-              <a:t>치킨 이벤트</a:t>
+              <a:t>치킨 </a:t>
+            </a:r>
+            <a:r>
+              <a:rPr lang="ko-KR" altLang="en-US" sz="1050" b="1" dirty="0" smtClean="0">
+                <a:ln>
+                  <a:solidFill>
+                    <a:schemeClr val="tx1">
+                      <a:alpha val="0"/>
+                    </a:schemeClr>
+                  </a:solidFill>
+                </a:ln>
+                <a:latin typeface="나눔바른고딕" panose="020B0603020101020101" pitchFamily="50" charset="-127"/>
+                <a:ea typeface="나눔바른고딕" panose="020B0603020101020101" pitchFamily="50" charset="-127"/>
+              </a:rPr>
+              <a:t>이벤트 후기 배너 추가</a:t>
             </a:r>
             <a:endParaRPr lang="ko-KR" altLang="en-US" sz="1050" b="1" dirty="0">
               <a:ln>
@@ -4459,117 +4460,6 @@
       </p:cxnSp>
       <p:sp>
         <p:nvSpPr>
-          <p:cNvPr id="5" name="직사각형 4"/>
-          <p:cNvSpPr/>
-          <p:nvPr/>
-        </p:nvSpPr>
-        <p:spPr>
-          <a:xfrm>
-            <a:off x="209921" y="563138"/>
-            <a:ext cx="5809626" cy="430887"/>
-          </a:xfrm>
-          <a:prstGeom prst="rect">
-            <a:avLst/>
-          </a:prstGeom>
-          <a:noFill/>
-          <a:ln>
-            <a:noFill/>
-          </a:ln>
-        </p:spPr>
-        <p:txBody>
-          <a:bodyPr wrap="square">
-            <a:spAutoFit/>
-          </a:bodyPr>
-          <a:lstStyle/>
-          <a:p>
-            <a:r>
-              <a:rPr lang="ko-KR" altLang="en-US" sz="1100" dirty="0" smtClean="0">
-                <a:ln>
-                  <a:solidFill>
-                    <a:schemeClr val="tx1">
-                      <a:alpha val="0"/>
-                    </a:schemeClr>
-                  </a:solidFill>
-                </a:ln>
-                <a:latin typeface="나눔바른고딕" panose="020B0603020101020101" pitchFamily="50" charset="-127"/>
-                <a:ea typeface="나눔바른고딕" panose="020B0603020101020101" pitchFamily="50" charset="-127"/>
-              </a:rPr>
-              <a:t>체험권이벤트가 진행되고 있기 때문에 치킨이벤트라는 명칭을 피하는 쪽이 좋을 것 같습니다</a:t>
-            </a:r>
-            <a:r>
-              <a:rPr lang="en-US" altLang="ko-KR" sz="1100" dirty="0" smtClean="0">
-                <a:ln>
-                  <a:solidFill>
-                    <a:schemeClr val="tx1">
-                      <a:alpha val="0"/>
-                    </a:schemeClr>
-                  </a:solidFill>
-                </a:ln>
-                <a:latin typeface="나눔바른고딕" panose="020B0603020101020101" pitchFamily="50" charset="-127"/>
-                <a:ea typeface="나눔바른고딕" panose="020B0603020101020101" pitchFamily="50" charset="-127"/>
-              </a:rPr>
-              <a:t>. </a:t>
-            </a:r>
-          </a:p>
-          <a:p>
-            <a:r>
-              <a:rPr lang="ko-KR" altLang="en-US" sz="1100" dirty="0" smtClean="0">
-                <a:ln>
-                  <a:solidFill>
-                    <a:schemeClr val="tx1">
-                      <a:alpha val="0"/>
-                    </a:schemeClr>
-                  </a:solidFill>
-                </a:ln>
-                <a:latin typeface="나눔바른고딕" panose="020B0603020101020101" pitchFamily="50" charset="-127"/>
-                <a:ea typeface="나눔바른고딕" panose="020B0603020101020101" pitchFamily="50" charset="-127"/>
-              </a:rPr>
-              <a:t>어떻게 쓸지 </a:t>
-            </a:r>
-            <a:r>
-              <a:rPr lang="ko-KR" altLang="en-US" sz="1100" dirty="0" err="1" smtClean="0">
-                <a:ln>
-                  <a:solidFill>
-                    <a:schemeClr val="tx1">
-                      <a:alpha val="0"/>
-                    </a:schemeClr>
-                  </a:solidFill>
-                </a:ln>
-                <a:latin typeface="나눔바른고딕" panose="020B0603020101020101" pitchFamily="50" charset="-127"/>
-                <a:ea typeface="나눔바른고딕" panose="020B0603020101020101" pitchFamily="50" charset="-127"/>
-              </a:rPr>
-              <a:t>모르겠네욥</a:t>
-            </a:r>
-            <a:r>
-              <a:rPr lang="en-US" altLang="ko-KR" sz="1100" dirty="0" smtClean="0">
-                <a:ln>
-                  <a:solidFill>
-                    <a:schemeClr val="tx1">
-                      <a:alpha val="0"/>
-                    </a:schemeClr>
-                  </a:solidFill>
-                </a:ln>
-                <a:latin typeface="나눔바른고딕" panose="020B0603020101020101" pitchFamily="50" charset="-127"/>
-                <a:ea typeface="나눔바른고딕" panose="020B0603020101020101" pitchFamily="50" charset="-127"/>
-              </a:rPr>
-              <a:t>…</a:t>
-            </a:r>
-            <a:endParaRPr lang="en-US" altLang="ko-KR" sz="1100" dirty="0">
-              <a:ln>
-                <a:solidFill>
-                  <a:schemeClr val="tx1">
-                    <a:alpha val="0"/>
-                  </a:schemeClr>
-                </a:solidFill>
-              </a:ln>
-              <a:latin typeface="나눔바른고딕" panose="020B0603020101020101" pitchFamily="50" charset="-127"/>
-              <a:ea typeface="나눔바른고딕" panose="020B0603020101020101" pitchFamily="50" charset="-127"/>
-            </a:endParaRPr>
-          </a:p>
-        </p:txBody>
-      </p:sp>
-      <p:sp>
-        <p:nvSpPr>
           <p:cNvPr id="6" name="직사각형 5"/>
           <p:cNvSpPr/>
           <p:nvPr/>
@@ -4577,7 +4467,7 @@
         <p:spPr>
           <a:xfrm>
             <a:off x="6349525" y="5492187"/>
-            <a:ext cx="2654694" cy="1015663"/>
+            <a:ext cx="2654694" cy="461665"/>
           </a:xfrm>
           <a:prstGeom prst="rect">
             <a:avLst/>
@@ -4602,20 +4492,6 @@
           <a:p>
             <a:pPr algn="r"/>
             <a:r>
-              <a:rPr lang="ko-KR" altLang="en-US" sz="1200" dirty="0" err="1" smtClean="0">
-                <a:ln>
-                  <a:solidFill>
-                    <a:schemeClr val="tx1">
-                      <a:alpha val="0"/>
-                    </a:schemeClr>
-                  </a:solidFill>
-                </a:ln>
-                <a:latin typeface="나눔바른고딕" panose="020B0603020101020101" pitchFamily="50" charset="-127"/>
-                <a:ea typeface="나눔바른고딕" panose="020B0603020101020101" pitchFamily="50" charset="-127"/>
-              </a:rPr>
-              <a:t>워딩</a:t>
-            </a:r>
-            <a:r>
               <a:rPr lang="ko-KR" altLang="en-US" sz="1200" dirty="0" smtClean="0">
                 <a:ln>
                   <a:solidFill>
@@ -4627,35 +4503,7 @@
                 <a:latin typeface="나눔바른고딕" panose="020B0603020101020101" pitchFamily="50" charset="-127"/>
                 <a:ea typeface="나눔바른고딕" panose="020B0603020101020101" pitchFamily="50" charset="-127"/>
               </a:rPr>
-              <a:t> 논의 필요</a:t>
-            </a:r>
-            <a:endParaRPr lang="en-US" altLang="ko-KR" sz="1200" dirty="0" smtClean="0">
-              <a:ln>
-                <a:solidFill>
-                  <a:schemeClr val="tx1">
-                    <a:alpha val="0"/>
-                  </a:schemeClr>
-                </a:solidFill>
-              </a:ln>
-              <a:latin typeface="나눔바른고딕" panose="020B0603020101020101" pitchFamily="50" charset="-127"/>
-              <a:ea typeface="나눔바른고딕" panose="020B0603020101020101" pitchFamily="50" charset="-127"/>
-            </a:endParaRPr>
-          </a:p>
-          <a:p>
-            <a:pPr algn="r"/>
-            <a:r>
-              <a:rPr lang="ko-KR" altLang="en-US" sz="1200" dirty="0" err="1" smtClean="0">
-                <a:ln>
-                  <a:solidFill>
-                    <a:schemeClr val="tx1">
-                      <a:alpha val="0"/>
-                    </a:schemeClr>
-                  </a:solidFill>
-                </a:ln>
-                <a:latin typeface="나눔바른고딕" panose="020B0603020101020101" pitchFamily="50" charset="-127"/>
-                <a:ea typeface="나눔바른고딕" panose="020B0603020101020101" pitchFamily="50" charset="-127"/>
-              </a:rPr>
-              <a:t>디자인무드</a:t>
+              <a:t>상시 </a:t>
             </a:r>
             <a:r>
               <a:rPr lang="ko-KR" altLang="en-US" sz="1200" dirty="0" smtClean="0">
@@ -4669,49 +4517,7 @@
                 <a:latin typeface="나눔바른고딕" panose="020B0603020101020101" pitchFamily="50" charset="-127"/>
                 <a:ea typeface="나눔바른고딕" panose="020B0603020101020101" pitchFamily="50" charset="-127"/>
               </a:rPr>
-              <a:t> 고민 중 </a:t>
-            </a:r>
-            <a:endParaRPr lang="en-US" altLang="ko-KR" sz="1200" dirty="0" smtClean="0">
-              <a:ln>
-                <a:solidFill>
-                  <a:schemeClr val="tx1">
-                    <a:alpha val="0"/>
-                  </a:schemeClr>
-                </a:solidFill>
-              </a:ln>
-              <a:latin typeface="나눔바른고딕" panose="020B0603020101020101" pitchFamily="50" charset="-127"/>
-              <a:ea typeface="나눔바른고딕" panose="020B0603020101020101" pitchFamily="50" charset="-127"/>
-            </a:endParaRPr>
-          </a:p>
-          <a:p>
-            <a:pPr algn="r"/>
-            <a:endParaRPr lang="en-US" altLang="ko-KR" sz="1200" dirty="0">
-              <a:ln>
-                <a:solidFill>
-                  <a:schemeClr val="tx1">
-                    <a:alpha val="0"/>
-                  </a:schemeClr>
-                </a:solidFill>
-              </a:ln>
-              <a:latin typeface="나눔바른고딕" panose="020B0603020101020101" pitchFamily="50" charset="-127"/>
-              <a:ea typeface="나눔바른고딕" panose="020B0603020101020101" pitchFamily="50" charset="-127"/>
-            </a:endParaRPr>
-          </a:p>
-          <a:p>
-            <a:pPr algn="r"/>
-            <a:r>
-              <a:rPr lang="ko-KR" altLang="en-US" sz="1200" dirty="0" smtClean="0">
-                <a:ln>
-                  <a:solidFill>
-                    <a:schemeClr val="tx1">
-                      <a:alpha val="0"/>
-                    </a:schemeClr>
-                  </a:solidFill>
-                </a:ln>
-                <a:latin typeface="나눔바른고딕" panose="020B0603020101020101" pitchFamily="50" charset="-127"/>
-                <a:ea typeface="나눔바른고딕" panose="020B0603020101020101" pitchFamily="50" charset="-127"/>
-              </a:rPr>
-              <a:t>상시 진행</a:t>
+              <a:t>진행</a:t>
             </a:r>
             <a:endParaRPr lang="en-US" altLang="ko-KR" sz="1200" dirty="0" smtClean="0">
               <a:ln>
@@ -4787,7 +4593,7 @@
       </p:grpSpPr>
       <p:sp>
         <p:nvSpPr>
-          <p:cNvPr id="4" name="직사각형 3"/>
+          <p:cNvPr id="3" name="직사각형 2"/>
           <p:cNvSpPr/>
           <p:nvPr/>
         </p:nvSpPr>
@@ -4818,6 +4624,271 @@
                 <a:latin typeface="나눔바른고딕" panose="020B0603020101020101" pitchFamily="50" charset="-127"/>
                 <a:ea typeface="나눔바른고딕" panose="020B0603020101020101" pitchFamily="50" charset="-127"/>
               </a:rPr>
+              <a:t>수상 후기 배너 추가</a:t>
+            </a:r>
+            <a:endParaRPr lang="ko-KR" altLang="en-US" sz="1050" b="1" dirty="0">
+              <a:ln>
+                <a:solidFill>
+                  <a:schemeClr val="tx1">
+                    <a:alpha val="0"/>
+                  </a:schemeClr>
+                </a:solidFill>
+              </a:ln>
+              <a:latin typeface="나눔바른고딕" panose="020B0603020101020101" pitchFamily="50" charset="-127"/>
+              <a:ea typeface="나눔바른고딕" panose="020B0603020101020101" pitchFamily="50" charset="-127"/>
+            </a:endParaRPr>
+          </a:p>
+        </p:txBody>
+      </p:sp>
+      <p:cxnSp>
+        <p:nvCxnSpPr>
+          <p:cNvPr id="4" name="직선 연결선 3"/>
+          <p:cNvCxnSpPr/>
+          <p:nvPr/>
+        </p:nvCxnSpPr>
+        <p:spPr>
+          <a:xfrm>
+            <a:off x="136868" y="401870"/>
+            <a:ext cx="8867351" cy="0"/>
+          </a:xfrm>
+          <a:prstGeom prst="line">
+            <a:avLst/>
+          </a:prstGeom>
+          <a:ln>
+            <a:solidFill>
+              <a:schemeClr val="tx1"/>
+            </a:solidFill>
+          </a:ln>
+        </p:spPr>
+        <p:style>
+          <a:lnRef idx="1">
+            <a:schemeClr val="accent1"/>
+          </a:lnRef>
+          <a:fillRef idx="0">
+            <a:schemeClr val="accent1"/>
+          </a:fillRef>
+          <a:effectRef idx="0">
+            <a:schemeClr val="accent1"/>
+          </a:effectRef>
+          <a:fontRef idx="minor">
+            <a:schemeClr val="tx1"/>
+          </a:fontRef>
+        </p:style>
+      </p:cxnSp>
+      <p:sp>
+        <p:nvSpPr>
+          <p:cNvPr id="6" name="직사각형 5"/>
+          <p:cNvSpPr/>
+          <p:nvPr/>
+        </p:nvSpPr>
+        <p:spPr>
+          <a:xfrm>
+            <a:off x="6349525" y="5492187"/>
+            <a:ext cx="2654694" cy="461665"/>
+          </a:xfrm>
+          <a:prstGeom prst="rect">
+            <a:avLst/>
+          </a:prstGeom>
+          <a:solidFill>
+            <a:schemeClr val="accent4">
+              <a:lumMod val="20000"/>
+              <a:lumOff val="80000"/>
+            </a:schemeClr>
+          </a:solidFill>
+          <a:ln w="25400">
+            <a:solidFill>
+              <a:srgbClr val="C00000"/>
+            </a:solidFill>
+          </a:ln>
+        </p:spPr>
+        <p:txBody>
+          <a:bodyPr wrap="square">
+            <a:spAutoFit/>
+          </a:bodyPr>
+          <a:lstStyle/>
+          <a:p>
+            <a:pPr algn="r"/>
+            <a:r>
+              <a:rPr lang="ko-KR" altLang="en-US" sz="1200" dirty="0" smtClean="0">
+                <a:ln>
+                  <a:solidFill>
+                    <a:schemeClr val="tx1">
+                      <a:alpha val="0"/>
+                    </a:schemeClr>
+                  </a:solidFill>
+                </a:ln>
+                <a:latin typeface="나눔바른고딕" panose="020B0603020101020101" pitchFamily="50" charset="-127"/>
+                <a:ea typeface="나눔바른고딕" panose="020B0603020101020101" pitchFamily="50" charset="-127"/>
+              </a:rPr>
+              <a:t>상시 </a:t>
+            </a:r>
+            <a:r>
+              <a:rPr lang="ko-KR" altLang="en-US" sz="1200" dirty="0" smtClean="0">
+                <a:ln>
+                  <a:solidFill>
+                    <a:schemeClr val="tx1">
+                      <a:alpha val="0"/>
+                    </a:schemeClr>
+                  </a:solidFill>
+                </a:ln>
+                <a:latin typeface="나눔바른고딕" panose="020B0603020101020101" pitchFamily="50" charset="-127"/>
+                <a:ea typeface="나눔바른고딕" panose="020B0603020101020101" pitchFamily="50" charset="-127"/>
+              </a:rPr>
+              <a:t>진행</a:t>
+            </a:r>
+            <a:endParaRPr lang="en-US" altLang="ko-KR" sz="1200" dirty="0" smtClean="0">
+              <a:ln>
+                <a:solidFill>
+                  <a:schemeClr val="tx1">
+                    <a:alpha val="0"/>
+                  </a:schemeClr>
+                </a:solidFill>
+              </a:ln>
+              <a:latin typeface="나눔바른고딕" panose="020B0603020101020101" pitchFamily="50" charset="-127"/>
+              <a:ea typeface="나눔바른고딕" panose="020B0603020101020101" pitchFamily="50" charset="-127"/>
+            </a:endParaRPr>
+          </a:p>
+          <a:p>
+            <a:pPr algn="r"/>
+            <a:r>
+              <a:rPr lang="ko-KR" altLang="en-US" sz="1200" dirty="0" smtClean="0">
+                <a:ln>
+                  <a:solidFill>
+                    <a:schemeClr val="tx1">
+                      <a:alpha val="0"/>
+                    </a:schemeClr>
+                  </a:solidFill>
+                </a:ln>
+                <a:latin typeface="나눔바른고딕" panose="020B0603020101020101" pitchFamily="50" charset="-127"/>
+                <a:ea typeface="나눔바른고딕" panose="020B0603020101020101" pitchFamily="50" charset="-127"/>
+              </a:rPr>
+              <a:t>후기를 활용한 페이지 제작 중</a:t>
+            </a:r>
+            <a:endParaRPr lang="en-US" altLang="ko-KR" sz="1200" dirty="0">
+              <a:ln>
+                <a:solidFill>
+                  <a:schemeClr val="tx1">
+                    <a:alpha val="0"/>
+                  </a:schemeClr>
+                </a:solidFill>
+              </a:ln>
+              <a:latin typeface="나눔바른고딕" panose="020B0603020101020101" pitchFamily="50" charset="-127"/>
+              <a:ea typeface="나눔바른고딕" panose="020B0603020101020101" pitchFamily="50" charset="-127"/>
+            </a:endParaRPr>
+          </a:p>
+        </p:txBody>
+      </p:sp>
+      <p:pic>
+        <p:nvPicPr>
+          <p:cNvPr id="5" name="그림 4"/>
+          <p:cNvPicPr>
+            <a:picLocks noChangeAspect="1"/>
+          </p:cNvPicPr>
+          <p:nvPr/>
+        </p:nvPicPr>
+        <p:blipFill>
+          <a:blip r:embed="rId2"/>
+          <a:stretch>
+            <a:fillRect/>
+          </a:stretch>
+        </p:blipFill>
+        <p:spPr>
+          <a:xfrm>
+            <a:off x="245445" y="584680"/>
+            <a:ext cx="5242798" cy="2312999"/>
+          </a:xfrm>
+          <a:prstGeom prst="rect">
+            <a:avLst/>
+          </a:prstGeom>
+        </p:spPr>
+      </p:pic>
+      <p:pic>
+        <p:nvPicPr>
+          <p:cNvPr id="7" name="그림 6"/>
+          <p:cNvPicPr>
+            <a:picLocks noChangeAspect="1"/>
+          </p:cNvPicPr>
+          <p:nvPr/>
+        </p:nvPicPr>
+        <p:blipFill>
+          <a:blip r:embed="rId3"/>
+          <a:stretch>
+            <a:fillRect/>
+          </a:stretch>
+        </p:blipFill>
+        <p:spPr>
+          <a:xfrm>
+            <a:off x="513080" y="2569882"/>
+            <a:ext cx="4846042" cy="3578957"/>
+          </a:xfrm>
+          <a:prstGeom prst="rect">
+            <a:avLst/>
+          </a:prstGeom>
+        </p:spPr>
+      </p:pic>
+    </p:spTree>
+    <p:extLst>
+      <p:ext uri="{BB962C8B-B14F-4D97-AF65-F5344CB8AC3E}">
+        <p14:creationId xmlns:p14="http://schemas.microsoft.com/office/powerpoint/2010/main" val="1517594644"/>
+      </p:ext>
+    </p:extLst>
+  </p:cSld>
+  <p:clrMapOvr>
+    <a:masterClrMapping/>
+  </p:clrMapOvr>
+</p:sld>
+</file>
+
+<file path=ppt/slides/slide14.xml><?xml version="1.0" encoding="utf-8"?>
+<p:sld xmlns:a="http://schemas.openxmlformats.org/drawingml/2006/main" xmlns:r="http://schemas.openxmlformats.org/officeDocument/2006/relationships" xmlns:p="http://schemas.openxmlformats.org/presentationml/2006/main">
+  <p:cSld>
+    <p:spTree>
+      <p:nvGrpSpPr>
+        <p:cNvPr id="1" name=""/>
+        <p:cNvGrpSpPr/>
+        <p:nvPr/>
+      </p:nvGrpSpPr>
+      <p:grpSpPr>
+        <a:xfrm>
+          <a:off x="0" y="0"/>
+          <a:ext cx="0" cy="0"/>
+          <a:chOff x="0" y="0"/>
+          <a:chExt cx="0" cy="0"/>
+        </a:xfrm>
+      </p:grpSpPr>
+      <p:sp>
+        <p:nvSpPr>
+          <p:cNvPr id="4" name="직사각형 3"/>
+          <p:cNvSpPr/>
+          <p:nvPr/>
+        </p:nvSpPr>
+        <p:spPr>
+          <a:xfrm>
+            <a:off x="136868" y="98606"/>
+            <a:ext cx="4572000" cy="253916"/>
+          </a:xfrm>
+          <a:prstGeom prst="rect">
+            <a:avLst/>
+          </a:prstGeom>
+        </p:spPr>
+        <p:txBody>
+          <a:bodyPr>
+            <a:spAutoFit/>
+          </a:bodyPr>
+          <a:lstStyle/>
+          <a:p>
+            <a:r>
+              <a:rPr lang="ko-KR" altLang="en-US" sz="1050" b="1" dirty="0" smtClean="0">
+                <a:ln>
+                  <a:solidFill>
+                    <a:schemeClr val="tx1">
+                      <a:alpha val="0"/>
+                    </a:schemeClr>
+                  </a:solidFill>
+                </a:ln>
+                <a:latin typeface="나눔바른고딕" panose="020B0603020101020101" pitchFamily="50" charset="-127"/>
+                <a:ea typeface="나눔바른고딕" panose="020B0603020101020101" pitchFamily="50" charset="-127"/>
+              </a:rPr>
               <a:t>기타</a:t>
             </a:r>
             <a:r>
@@ -4860,21 +4931,7 @@
                 <a:latin typeface="나눔바른고딕" panose="020B0603020101020101" pitchFamily="50" charset="-127"/>
                 <a:ea typeface="나눔바른고딕" panose="020B0603020101020101" pitchFamily="50" charset="-127"/>
               </a:rPr>
-              <a:t> </a:t>
-            </a:r>
-            <a:r>
-              <a:rPr lang="en-US" altLang="ko-KR" sz="1050" b="1" dirty="0" smtClean="0">
-                <a:ln>
-                  <a:solidFill>
-                    <a:schemeClr val="tx1">
-                      <a:alpha val="0"/>
-                    </a:schemeClr>
-                  </a:solidFill>
-                </a:ln>
-                <a:latin typeface="나눔바른고딕" panose="020B0603020101020101" pitchFamily="50" charset="-127"/>
-                <a:ea typeface="나눔바른고딕" panose="020B0603020101020101" pitchFamily="50" charset="-127"/>
-              </a:rPr>
-              <a:t>– </a:t>
+              <a:t> – </a:t>
             </a:r>
             <a:r>
               <a:rPr lang="ko-KR" altLang="en-US" sz="1050" b="1" dirty="0" smtClean="0">
@@ -10874,7 +10931,7 @@
         </p:nvSpPr>
         <p:spPr>
           <a:xfrm>
-            <a:off x="643132" y="4763545"/>
+            <a:off x="643132" y="5799362"/>
             <a:ext cx="3026624" cy="261610"/>
           </a:xfrm>
           <a:prstGeom prst="rect">
@@ -11087,7 +11144,7 @@
         <p:spPr>
           <a:xfrm>
             <a:off x="209921" y="563138"/>
-            <a:ext cx="5809626" cy="600164"/>
+            <a:ext cx="5809626" cy="430887"/>
           </a:xfrm>
           <a:prstGeom prst="rect">
             <a:avLst/>
@@ -11115,35 +11172,8 @@
                 <a:latin typeface="나눔바른고딕" panose="020B0603020101020101" pitchFamily="50" charset="-127"/>
                 <a:ea typeface="나눔바른고딕" panose="020B0603020101020101" pitchFamily="50" charset="-127"/>
               </a:rPr>
-              <a:t>동기부여 이벤트의 일부가 될 것 같네요</a:t>
-            </a:r>
-            <a:r>
-              <a:rPr lang="en-US" altLang="ko-KR" sz="1100" dirty="0" smtClean="0">
-                <a:ln>
-                  <a:solidFill>
-                    <a:schemeClr val="tx1">
-                      <a:alpha val="0"/>
-                    </a:schemeClr>
-                  </a:solidFill>
-                </a:ln>
-                <a:latin typeface="나눔바른고딕" panose="020B0603020101020101" pitchFamily="50" charset="-127"/>
-                <a:ea typeface="나눔바른고딕" panose="020B0603020101020101" pitchFamily="50" charset="-127"/>
-              </a:rPr>
-              <a:t>. </a:t>
-            </a:r>
-            <a:endParaRPr lang="en-US" altLang="ko-KR" sz="1100" dirty="0" smtClean="0">
-              <a:ln>
-                <a:solidFill>
-                  <a:schemeClr val="tx1">
-                    <a:alpha val="0"/>
-                  </a:schemeClr>
-                </a:solidFill>
-              </a:ln>
-              <a:latin typeface="나눔바른고딕" panose="020B0603020101020101" pitchFamily="50" charset="-127"/>
-              <a:ea typeface="나눔바른고딕" panose="020B0603020101020101" pitchFamily="50" charset="-127"/>
-            </a:endParaRPr>
-          </a:p>
-          <a:p>
+              <a:t>전에 </a:t>
+            </a:r>
             <a:r>
               <a:rPr lang="ko-KR" altLang="en-US" sz="1100" dirty="0" smtClean="0">
                 <a:ln>
@@ -11156,21 +11186,7 @@
                 <a:latin typeface="나눔바른고딕" panose="020B0603020101020101" pitchFamily="50" charset="-127"/>
                 <a:ea typeface="나눔바른고딕" panose="020B0603020101020101" pitchFamily="50" charset="-127"/>
               </a:rPr>
-              <a:t>이전에 노션에서 말씀주신 </a:t>
-            </a:r>
-            <a:r>
-              <a:rPr lang="ko-KR" altLang="en-US" sz="1100" dirty="0" smtClean="0">
-                <a:ln>
-                  <a:solidFill>
-                    <a:schemeClr val="tx1">
-                      <a:alpha val="0"/>
-                    </a:schemeClr>
-                  </a:solidFill>
-                </a:ln>
-                <a:latin typeface="나눔바른고딕" panose="020B0603020101020101" pitchFamily="50" charset="-127"/>
-                <a:ea typeface="나눔바른고딕" panose="020B0603020101020101" pitchFamily="50" charset="-127"/>
-              </a:rPr>
-              <a:t>비공개미션 자동화 진행 중입니다</a:t>
+              <a:t>노션에서 말씀주신 비공개미션 자동화 진행 중입니다</a:t>
             </a:r>
             <a:r>
               <a:rPr lang="en-US" altLang="ko-KR" sz="1100" dirty="0" smtClean="0">
@@ -11281,7 +11297,7 @@
         <p:spPr>
           <a:xfrm>
             <a:off x="5565531" y="5930167"/>
-            <a:ext cx="3299514" cy="646331"/>
+            <a:ext cx="3299514" cy="276999"/>
           </a:xfrm>
           <a:prstGeom prst="rect">
             <a:avLst/>
@@ -11317,7 +11333,7 @@
                 <a:latin typeface="나눔바른고딕" panose="020B0603020101020101" pitchFamily="50" charset="-127"/>
                 <a:ea typeface="나눔바른고딕" panose="020B0603020101020101" pitchFamily="50" charset="-127"/>
               </a:rPr>
-              <a:t>파라미터 </a:t>
+              <a:t>파라미터 추가 되는대로 내주 진행 </a:t>
             </a:r>
             <a:r>
               <a:rPr lang="ko-KR" altLang="en-US" sz="1200" dirty="0" smtClean="0">
@@ -11331,21 +11347,7 @@
                 <a:latin typeface="나눔바른고딕" panose="020B0603020101020101" pitchFamily="50" charset="-127"/>
                 <a:ea typeface="나눔바른고딕" panose="020B0603020101020101" pitchFamily="50" charset="-127"/>
               </a:rPr>
-              <a:t>추가 되는대로 </a:t>
-            </a:r>
-            <a:r>
-              <a:rPr lang="ko-KR" altLang="en-US" sz="1200" dirty="0" smtClean="0">
-                <a:ln>
-                  <a:solidFill>
-                    <a:schemeClr val="tx1">
-                      <a:alpha val="0"/>
-                    </a:schemeClr>
-                  </a:solidFill>
-                </a:ln>
-                <a:latin typeface="나눔바른고딕" panose="020B0603020101020101" pitchFamily="50" charset="-127"/>
-                <a:ea typeface="나눔바른고딕" panose="020B0603020101020101" pitchFamily="50" charset="-127"/>
-              </a:rPr>
-              <a:t>내주 진행 예정</a:t>
+              <a:t>예정</a:t>
             </a:r>
             <a:endParaRPr lang="en-US" altLang="ko-KR" sz="1200" dirty="0" smtClean="0">
               <a:ln>
@@ -11359,67 +11361,11 @@
               <a:ea typeface="나눔바른고딕" panose="020B0603020101020101" pitchFamily="50" charset="-127"/>
             </a:endParaRPr>
           </a:p>
-          <a:p>
-            <a:pPr algn="r"/>
-            <a:endParaRPr lang="en-US" altLang="ko-KR" sz="1200" dirty="0">
-              <a:ln>
-                <a:solidFill>
-                  <a:schemeClr val="tx1">
-                    <a:alpha val="0"/>
-                  </a:schemeClr>
-                </a:solidFill>
-              </a:ln>
-              <a:latin typeface="나눔바른고딕" panose="020B0603020101020101" pitchFamily="50" charset="-127"/>
-              <a:ea typeface="나눔바른고딕" panose="020B0603020101020101" pitchFamily="50" charset="-127"/>
-            </a:endParaRPr>
-          </a:p>
-          <a:p>
-            <a:pPr algn="r"/>
-            <a:r>
-              <a:rPr lang="ko-KR" altLang="en-US" sz="1200" b="1" dirty="0" smtClean="0">
-                <a:ln>
-                  <a:solidFill>
-                    <a:schemeClr val="tx1">
-                      <a:alpha val="0"/>
-                    </a:schemeClr>
-                  </a:solidFill>
-                </a:ln>
-                <a:latin typeface="나눔바른고딕" panose="020B0603020101020101" pitchFamily="50" charset="-127"/>
-                <a:ea typeface="나눔바른고딕" panose="020B0603020101020101" pitchFamily="50" charset="-127"/>
-              </a:rPr>
-              <a:t>제공 상품</a:t>
-            </a:r>
-            <a:r>
-              <a:rPr lang="ko-KR" altLang="en-US" sz="1200" dirty="0" smtClean="0">
-                <a:ln>
-                  <a:solidFill>
-                    <a:schemeClr val="tx1">
-                      <a:alpha val="0"/>
-                    </a:schemeClr>
-                  </a:solidFill>
-                </a:ln>
-                <a:latin typeface="나눔바른고딕" panose="020B0603020101020101" pitchFamily="50" charset="-127"/>
-                <a:ea typeface="나눔바른고딕" panose="020B0603020101020101" pitchFamily="50" charset="-127"/>
-              </a:rPr>
-              <a:t>은 논의 필요</a:t>
-            </a:r>
-            <a:endParaRPr lang="en-US" altLang="ko-KR" sz="1200" dirty="0">
-              <a:ln>
-                <a:solidFill>
-                  <a:schemeClr val="tx1">
-                    <a:alpha val="0"/>
-                  </a:schemeClr>
-                </a:solidFill>
-              </a:ln>
-              <a:latin typeface="나눔바른고딕" panose="020B0603020101020101" pitchFamily="50" charset="-127"/>
-              <a:ea typeface="나눔바른고딕" panose="020B0603020101020101" pitchFamily="50" charset="-127"/>
-            </a:endParaRPr>
-          </a:p>
         </p:txBody>
       </p:sp>
       <p:pic>
         <p:nvPicPr>
-          <p:cNvPr id="10" name="그림 9"/>
+          <p:cNvPr id="2" name="그림 1"/>
           <p:cNvPicPr>
             <a:picLocks noChangeAspect="1"/>
           </p:cNvPicPr>
@@ -11433,119 +11379,14 @@
         </p:blipFill>
         <p:spPr>
           <a:xfrm>
-            <a:off x="354257" y="1646253"/>
-            <a:ext cx="2773607" cy="2185768"/>
+            <a:off x="321516" y="1166494"/>
+            <a:ext cx="6477876" cy="3737441"/>
           </a:xfrm>
           <a:prstGeom prst="rect">
             <a:avLst/>
           </a:prstGeom>
         </p:spPr>
       </p:pic>
-      <p:pic>
-        <p:nvPicPr>
-          <p:cNvPr id="11" name="그림 10"/>
-          <p:cNvPicPr>
-            <a:picLocks noChangeAspect="1"/>
-          </p:cNvPicPr>
-          <p:nvPr/>
-        </p:nvPicPr>
-        <p:blipFill>
-          <a:blip r:embed="rId3"/>
-          <a:stretch>
-            <a:fillRect/>
-          </a:stretch>
-        </p:blipFill>
-        <p:spPr>
-          <a:xfrm>
-            <a:off x="3607411" y="1675231"/>
-            <a:ext cx="2773607" cy="2127812"/>
-          </a:xfrm>
-          <a:prstGeom prst="rect">
-            <a:avLst/>
-          </a:prstGeom>
-        </p:spPr>
-      </p:pic>
-      <p:sp>
-        <p:nvSpPr>
-          <p:cNvPr id="12" name="직사각형 11"/>
-          <p:cNvSpPr/>
-          <p:nvPr/>
-        </p:nvSpPr>
-        <p:spPr>
-          <a:xfrm>
-            <a:off x="571392" y="4297783"/>
-            <a:ext cx="5809626" cy="261610"/>
-          </a:xfrm>
-          <a:prstGeom prst="rect">
-            <a:avLst/>
-          </a:prstGeom>
-          <a:noFill/>
-          <a:ln>
-            <a:noFill/>
-          </a:ln>
-        </p:spPr>
-        <p:txBody>
-          <a:bodyPr wrap="square">
-            <a:spAutoFit/>
-          </a:bodyPr>
-          <a:lstStyle/>
-          <a:p>
-            <a:r>
-              <a:rPr lang="ko-KR" altLang="en-US" sz="1100" dirty="0" smtClean="0">
-                <a:ln>
-                  <a:solidFill>
-                    <a:schemeClr val="tx1">
-                      <a:alpha val="0"/>
-                    </a:schemeClr>
-                  </a:solidFill>
-                </a:ln>
-                <a:latin typeface="나눔바른고딕" panose="020B0603020101020101" pitchFamily="50" charset="-127"/>
-                <a:ea typeface="나눔바른고딕" panose="020B0603020101020101" pitchFamily="50" charset="-127"/>
-              </a:rPr>
-              <a:t>제공상품으로 베스킨라빈스 아이스크림정도로도 괜찮을 것 같다는 의견을 받았습니다</a:t>
-            </a:r>
-            <a:r>
-              <a:rPr lang="en-US" altLang="ko-KR" sz="1100" dirty="0" smtClean="0">
-                <a:ln>
-                  <a:solidFill>
-                    <a:schemeClr val="tx1">
-                      <a:alpha val="0"/>
-                    </a:schemeClr>
-                  </a:solidFill>
-                </a:ln>
-                <a:latin typeface="나눔바른고딕" panose="020B0603020101020101" pitchFamily="50" charset="-127"/>
-                <a:ea typeface="나눔바른고딕" panose="020B0603020101020101" pitchFamily="50" charset="-127"/>
-              </a:rPr>
-              <a:t>. </a:t>
-            </a:r>
-            <a:r>
-              <a:rPr lang="ko-KR" altLang="en-US" sz="1100" dirty="0" smtClean="0">
-                <a:ln>
-                  <a:solidFill>
-                    <a:schemeClr val="tx1">
-                      <a:alpha val="0"/>
-                    </a:schemeClr>
-                  </a:solidFill>
-                </a:ln>
-                <a:latin typeface="나눔바른고딕" panose="020B0603020101020101" pitchFamily="50" charset="-127"/>
-                <a:ea typeface="나눔바른고딕" panose="020B0603020101020101" pitchFamily="50" charset="-127"/>
-              </a:rPr>
-              <a:t> </a:t>
-            </a:r>
-            <a:endParaRPr lang="en-US" altLang="ko-KR" sz="1100" dirty="0">
-              <a:ln>
-                <a:solidFill>
-                  <a:schemeClr val="tx1">
-                    <a:alpha val="0"/>
-                  </a:schemeClr>
-                </a:solidFill>
-              </a:ln>
-              <a:latin typeface="나눔바른고딕" panose="020B0603020101020101" pitchFamily="50" charset="-127"/>
-              <a:ea typeface="나눔바른고딕" panose="020B0603020101020101" pitchFamily="50" charset="-127"/>
-            </a:endParaRPr>
-          </a:p>
-        </p:txBody>
-      </p:sp>
     </p:spTree>
     <p:extLst>
       <p:ext uri="{BB962C8B-B14F-4D97-AF65-F5344CB8AC3E}">
